--- a/Documentation/AfterLife - Midterm.pptx
+++ b/Documentation/AfterLife - Midterm.pptx
@@ -226,7 +226,7 @@
           <a:p>
             <a:fld id="{043B725B-653D-4166-A8E9-72A38A1847CF}" type="datetimeFigureOut">
               <a:rPr lang="en-US"/>
-              <a:t>2/19/2017</a:t>
+              <a:t>2/21/2017</a:t>
             </a:fld>
             <a:endParaRPr/>
           </a:p>
@@ -391,7 +391,7 @@
           <a:p>
             <a:fld id="{783F64CD-0576-4A9A-BD06-7889D6E60BDC}" type="datetimeFigureOut">
               <a:rPr lang="en-US"/>
-              <a:t>2/19/2017</a:t>
+              <a:t>2/21/2017</a:t>
             </a:fld>
             <a:endParaRPr/>
           </a:p>
@@ -994,7 +994,7 @@
           <a:p>
             <a:fld id="{37CC0096-1860-4642-9CD2-0079EA5E7CD1}" type="datetimeFigureOut">
               <a:rPr lang="en-US"/>
-              <a:t>2/19/2017</a:t>
+              <a:t>2/21/2017</a:t>
             </a:fld>
             <a:endParaRPr/>
           </a:p>
@@ -1243,7 +1243,7 @@
           <a:p>
             <a:fld id="{37CC0096-1860-4642-9CD2-0079EA5E7CD1}" type="datetimeFigureOut">
               <a:rPr lang="en-US"/>
-              <a:t>2/19/2017</a:t>
+              <a:t>2/21/2017</a:t>
             </a:fld>
             <a:endParaRPr/>
           </a:p>
@@ -1429,7 +1429,7 @@
           <a:p>
             <a:fld id="{37CC0096-1860-4642-9CD2-0079EA5E7CD1}" type="datetimeFigureOut">
               <a:rPr lang="en-US"/>
-              <a:t>2/19/2017</a:t>
+              <a:t>2/21/2017</a:t>
             </a:fld>
             <a:endParaRPr/>
           </a:p>
@@ -1960,7 +1960,7 @@
           <a:p>
             <a:fld id="{37CC0096-1860-4642-9CD2-0079EA5E7CD1}" type="datetimeFigureOut">
               <a:rPr lang="en-US"/>
-              <a:t>2/19/2017</a:t>
+              <a:t>2/21/2017</a:t>
             </a:fld>
             <a:endParaRPr/>
           </a:p>
@@ -2412,7 +2412,7 @@
           <a:p>
             <a:fld id="{37CC0096-1860-4642-9CD2-0079EA5E7CD1}" type="datetimeFigureOut">
               <a:rPr lang="en-US"/>
-              <a:t>2/19/2017</a:t>
+              <a:t>2/21/2017</a:t>
             </a:fld>
             <a:endParaRPr/>
           </a:p>
@@ -2542,7 +2542,7 @@
           <a:p>
             <a:fld id="{37CC0096-1860-4642-9CD2-0079EA5E7CD1}" type="datetimeFigureOut">
               <a:rPr lang="en-US"/>
-              <a:t>2/19/2017</a:t>
+              <a:t>2/21/2017</a:t>
             </a:fld>
             <a:endParaRPr/>
           </a:p>
@@ -2649,7 +2649,7 @@
           <a:p>
             <a:fld id="{37CC0096-1860-4642-9CD2-0079EA5E7CD1}" type="datetimeFigureOut">
               <a:rPr lang="en-US"/>
-              <a:t>2/19/2017</a:t>
+              <a:t>2/21/2017</a:t>
             </a:fld>
             <a:endParaRPr/>
           </a:p>
@@ -3638,7 +3638,7 @@
             <a:fld id="{37CC0096-1860-4642-9CD2-0079EA5E7CD1}" type="datetimeFigureOut">
               <a:rPr lang="en-US" smtClean="0"/>
               <a:pPr/>
-              <a:t>2/19/2017</a:t>
+              <a:t>2/21/2017</a:t>
             </a:fld>
             <a:endParaRPr lang="en-US" dirty="0"/>
           </a:p>
@@ -4452,7 +4452,7 @@
       </p:sp>
       <p:pic>
         <p:nvPicPr>
-          <p:cNvPr id="1026" name="Picture 2" descr="SearchRescueRetrival"/>
+          <p:cNvPr id="1028" name="Picture 4" descr="16830473_120300002237109006_151863629_n.jpg"/>
           <p:cNvPicPr>
             <a:picLocks noChangeAspect="1" noChangeArrowheads="1"/>
           </p:cNvPicPr>
@@ -4473,8 +4473,8 @@
         </p:blipFill>
         <p:spPr bwMode="auto">
           <a:xfrm>
-            <a:off x="1447800" y="801844"/>
-            <a:ext cx="2484695" cy="2484695"/>
+            <a:off x="1469356" y="904555"/>
+            <a:ext cx="2441575" cy="2441576"/>
           </a:xfrm>
           <a:prstGeom prst="rect">
             <a:avLst/>
